--- a/docs/images/images.pptx
+++ b/docs/images/images.pptx
@@ -8,6 +8,7 @@
     <p:sldId id="256" r:id="rId2"/>
     <p:sldId id="257" r:id="rId3"/>
     <p:sldId id="258" r:id="rId4"/>
+    <p:sldId id="259" r:id="rId5"/>
   </p:sldIdLst>
   <p:sldSz cx="12192000" cy="6858000"/>
   <p:notesSz cx="6858000" cy="9144000"/>
@@ -260,7 +261,7 @@
           <a:lstStyle/>
           <a:p>
             <a:fld id="{55263F96-A508-8D4E-8ABB-592BDCA58F07}" type="datetimeFigureOut">
-              <a:t>2021/9/4</a:t>
+              <a:t>2021/9/5</a:t>
             </a:fld>
             <a:endParaRPr kumimoji="1" lang="zh-CN" altLang="en-US"/>
           </a:p>
@@ -456,7 +457,7 @@
           <a:lstStyle/>
           <a:p>
             <a:fld id="{55263F96-A508-8D4E-8ABB-592BDCA58F07}" type="datetimeFigureOut">
-              <a:t>2021/9/4</a:t>
+              <a:t>2021/9/5</a:t>
             </a:fld>
             <a:endParaRPr kumimoji="1" lang="zh-CN" altLang="en-US"/>
           </a:p>
@@ -662,7 +663,7 @@
           <a:lstStyle/>
           <a:p>
             <a:fld id="{55263F96-A508-8D4E-8ABB-592BDCA58F07}" type="datetimeFigureOut">
-              <a:t>2021/9/4</a:t>
+              <a:t>2021/9/5</a:t>
             </a:fld>
             <a:endParaRPr kumimoji="1" lang="zh-CN" altLang="en-US"/>
           </a:p>
@@ -858,7 +859,7 @@
           <a:lstStyle/>
           <a:p>
             <a:fld id="{55263F96-A508-8D4E-8ABB-592BDCA58F07}" type="datetimeFigureOut">
-              <a:t>2021/9/4</a:t>
+              <a:t>2021/9/5</a:t>
             </a:fld>
             <a:endParaRPr kumimoji="1" lang="zh-CN" altLang="en-US"/>
           </a:p>
@@ -1131,7 +1132,7 @@
           <a:lstStyle/>
           <a:p>
             <a:fld id="{55263F96-A508-8D4E-8ABB-592BDCA58F07}" type="datetimeFigureOut">
-              <a:t>2021/9/4</a:t>
+              <a:t>2021/9/5</a:t>
             </a:fld>
             <a:endParaRPr kumimoji="1" lang="zh-CN" altLang="en-US"/>
           </a:p>
@@ -1394,7 +1395,7 @@
           <a:lstStyle/>
           <a:p>
             <a:fld id="{55263F96-A508-8D4E-8ABB-592BDCA58F07}" type="datetimeFigureOut">
-              <a:t>2021/9/4</a:t>
+              <a:t>2021/9/5</a:t>
             </a:fld>
             <a:endParaRPr kumimoji="1" lang="zh-CN" altLang="en-US"/>
           </a:p>
@@ -1804,7 +1805,7 @@
           <a:lstStyle/>
           <a:p>
             <a:fld id="{55263F96-A508-8D4E-8ABB-592BDCA58F07}" type="datetimeFigureOut">
-              <a:t>2021/9/4</a:t>
+              <a:t>2021/9/5</a:t>
             </a:fld>
             <a:endParaRPr kumimoji="1" lang="zh-CN" altLang="en-US"/>
           </a:p>
@@ -1943,7 +1944,7 @@
           <a:lstStyle/>
           <a:p>
             <a:fld id="{55263F96-A508-8D4E-8ABB-592BDCA58F07}" type="datetimeFigureOut">
-              <a:t>2021/9/4</a:t>
+              <a:t>2021/9/5</a:t>
             </a:fld>
             <a:endParaRPr kumimoji="1" lang="zh-CN" altLang="en-US"/>
           </a:p>
@@ -2054,7 +2055,7 @@
           <a:lstStyle/>
           <a:p>
             <a:fld id="{55263F96-A508-8D4E-8ABB-592BDCA58F07}" type="datetimeFigureOut">
-              <a:t>2021/9/4</a:t>
+              <a:t>2021/9/5</a:t>
             </a:fld>
             <a:endParaRPr kumimoji="1" lang="zh-CN" altLang="en-US"/>
           </a:p>
@@ -2363,7 +2364,7 @@
           <a:lstStyle/>
           <a:p>
             <a:fld id="{55263F96-A508-8D4E-8ABB-592BDCA58F07}" type="datetimeFigureOut">
-              <a:t>2021/9/4</a:t>
+              <a:t>2021/9/5</a:t>
             </a:fld>
             <a:endParaRPr kumimoji="1" lang="zh-CN" altLang="en-US"/>
           </a:p>
@@ -2649,7 +2650,7 @@
           <a:lstStyle/>
           <a:p>
             <a:fld id="{55263F96-A508-8D4E-8ABB-592BDCA58F07}" type="datetimeFigureOut">
-              <a:t>2021/9/4</a:t>
+              <a:t>2021/9/5</a:t>
             </a:fld>
             <a:endParaRPr kumimoji="1" lang="zh-CN" altLang="en-US"/>
           </a:p>
@@ -2888,7 +2889,7 @@
           </a:lstStyle>
           <a:p>
             <a:fld id="{55263F96-A508-8D4E-8ABB-592BDCA58F07}" type="datetimeFigureOut">
-              <a:t>2021/9/4</a:t>
+              <a:t>2021/9/5</a:t>
             </a:fld>
             <a:endParaRPr kumimoji="1" lang="zh-CN" altLang="en-US"/>
           </a:p>
@@ -4635,6 +4636,507 @@
           </a:extLst>
         </p:spPr>
       </p:pic>
+      <p:sp>
+        <p:nvSpPr>
+          <p:cNvPr id="21" name="任意形状 20">
+            <a:extLst>
+              <a:ext uri="{FF2B5EF4-FFF2-40B4-BE49-F238E27FC236}">
+                <a16:creationId xmlns:a16="http://schemas.microsoft.com/office/drawing/2014/main" id="{703F3B17-C715-D547-87F8-71378B383D3B}"/>
+              </a:ext>
+            </a:extLst>
+          </p:cNvPr>
+          <p:cNvSpPr/>
+          <p:nvPr/>
+        </p:nvSpPr>
+        <p:spPr>
+          <a:xfrm>
+            <a:off x="1071754" y="4661149"/>
+            <a:ext cx="648652" cy="647700"/>
+          </a:xfrm>
+          <a:custGeom>
+            <a:avLst/>
+            <a:gdLst>
+              <a:gd name="connsiteX0" fmla="*/ 323850 w 648652"/>
+              <a:gd name="connsiteY0" fmla="*/ 438150 h 647700"/>
+              <a:gd name="connsiteX1" fmla="*/ 209550 w 648652"/>
+              <a:gd name="connsiteY1" fmla="*/ 323850 h 647700"/>
+              <a:gd name="connsiteX2" fmla="*/ 323850 w 648652"/>
+              <a:gd name="connsiteY2" fmla="*/ 209550 h 647700"/>
+              <a:gd name="connsiteX3" fmla="*/ 438150 w 648652"/>
+              <a:gd name="connsiteY3" fmla="*/ 323850 h 647700"/>
+              <a:gd name="connsiteX4" fmla="*/ 323850 w 648652"/>
+              <a:gd name="connsiteY4" fmla="*/ 438150 h 647700"/>
+              <a:gd name="connsiteX5" fmla="*/ 581025 w 648652"/>
+              <a:gd name="connsiteY5" fmla="*/ 252413 h 647700"/>
+              <a:gd name="connsiteX6" fmla="*/ 556260 w 648652"/>
+              <a:gd name="connsiteY6" fmla="*/ 193358 h 647700"/>
+              <a:gd name="connsiteX7" fmla="*/ 580073 w 648652"/>
+              <a:gd name="connsiteY7" fmla="*/ 121920 h 647700"/>
+              <a:gd name="connsiteX8" fmla="*/ 525780 w 648652"/>
+              <a:gd name="connsiteY8" fmla="*/ 67628 h 647700"/>
+              <a:gd name="connsiteX9" fmla="*/ 454343 w 648652"/>
+              <a:gd name="connsiteY9" fmla="*/ 91440 h 647700"/>
+              <a:gd name="connsiteX10" fmla="*/ 394335 w 648652"/>
+              <a:gd name="connsiteY10" fmla="*/ 66675 h 647700"/>
+              <a:gd name="connsiteX11" fmla="*/ 361950 w 648652"/>
+              <a:gd name="connsiteY11" fmla="*/ 0 h 647700"/>
+              <a:gd name="connsiteX12" fmla="*/ 285750 w 648652"/>
+              <a:gd name="connsiteY12" fmla="*/ 0 h 647700"/>
+              <a:gd name="connsiteX13" fmla="*/ 252413 w 648652"/>
+              <a:gd name="connsiteY13" fmla="*/ 66675 h 647700"/>
+              <a:gd name="connsiteX14" fmla="*/ 193358 w 648652"/>
+              <a:gd name="connsiteY14" fmla="*/ 91440 h 647700"/>
+              <a:gd name="connsiteX15" fmla="*/ 121920 w 648652"/>
+              <a:gd name="connsiteY15" fmla="*/ 67628 h 647700"/>
+              <a:gd name="connsiteX16" fmla="*/ 67628 w 648652"/>
+              <a:gd name="connsiteY16" fmla="*/ 121920 h 647700"/>
+              <a:gd name="connsiteX17" fmla="*/ 91440 w 648652"/>
+              <a:gd name="connsiteY17" fmla="*/ 193358 h 647700"/>
+              <a:gd name="connsiteX18" fmla="*/ 66675 w 648652"/>
+              <a:gd name="connsiteY18" fmla="*/ 253365 h 647700"/>
+              <a:gd name="connsiteX19" fmla="*/ 0 w 648652"/>
+              <a:gd name="connsiteY19" fmla="*/ 285750 h 647700"/>
+              <a:gd name="connsiteX20" fmla="*/ 0 w 648652"/>
+              <a:gd name="connsiteY20" fmla="*/ 361950 h 647700"/>
+              <a:gd name="connsiteX21" fmla="*/ 66675 w 648652"/>
+              <a:gd name="connsiteY21" fmla="*/ 395288 h 647700"/>
+              <a:gd name="connsiteX22" fmla="*/ 91440 w 648652"/>
+              <a:gd name="connsiteY22" fmla="*/ 454343 h 647700"/>
+              <a:gd name="connsiteX23" fmla="*/ 67628 w 648652"/>
+              <a:gd name="connsiteY23" fmla="*/ 525780 h 647700"/>
+              <a:gd name="connsiteX24" fmla="*/ 121920 w 648652"/>
+              <a:gd name="connsiteY24" fmla="*/ 580073 h 647700"/>
+              <a:gd name="connsiteX25" fmla="*/ 193358 w 648652"/>
+              <a:gd name="connsiteY25" fmla="*/ 556260 h 647700"/>
+              <a:gd name="connsiteX26" fmla="*/ 253365 w 648652"/>
+              <a:gd name="connsiteY26" fmla="*/ 581025 h 647700"/>
+              <a:gd name="connsiteX27" fmla="*/ 286703 w 648652"/>
+              <a:gd name="connsiteY27" fmla="*/ 647700 h 647700"/>
+              <a:gd name="connsiteX28" fmla="*/ 362903 w 648652"/>
+              <a:gd name="connsiteY28" fmla="*/ 647700 h 647700"/>
+              <a:gd name="connsiteX29" fmla="*/ 396240 w 648652"/>
+              <a:gd name="connsiteY29" fmla="*/ 581025 h 647700"/>
+              <a:gd name="connsiteX30" fmla="*/ 455295 w 648652"/>
+              <a:gd name="connsiteY30" fmla="*/ 556260 h 647700"/>
+              <a:gd name="connsiteX31" fmla="*/ 526733 w 648652"/>
+              <a:gd name="connsiteY31" fmla="*/ 580073 h 647700"/>
+              <a:gd name="connsiteX32" fmla="*/ 581025 w 648652"/>
+              <a:gd name="connsiteY32" fmla="*/ 525780 h 647700"/>
+              <a:gd name="connsiteX33" fmla="*/ 557213 w 648652"/>
+              <a:gd name="connsiteY33" fmla="*/ 454343 h 647700"/>
+              <a:gd name="connsiteX34" fmla="*/ 581978 w 648652"/>
+              <a:gd name="connsiteY34" fmla="*/ 394335 h 647700"/>
+              <a:gd name="connsiteX35" fmla="*/ 648653 w 648652"/>
+              <a:gd name="connsiteY35" fmla="*/ 360998 h 647700"/>
+              <a:gd name="connsiteX36" fmla="*/ 648653 w 648652"/>
+              <a:gd name="connsiteY36" fmla="*/ 284798 h 647700"/>
+              <a:gd name="connsiteX37" fmla="*/ 581025 w 648652"/>
+              <a:gd name="connsiteY37" fmla="*/ 252413 h 647700"/>
+            </a:gdLst>
+            <a:ahLst/>
+            <a:cxnLst>
+              <a:cxn ang="0">
+                <a:pos x="connsiteX0" y="connsiteY0"/>
+              </a:cxn>
+              <a:cxn ang="0">
+                <a:pos x="connsiteX1" y="connsiteY1"/>
+              </a:cxn>
+              <a:cxn ang="0">
+                <a:pos x="connsiteX2" y="connsiteY2"/>
+              </a:cxn>
+              <a:cxn ang="0">
+                <a:pos x="connsiteX3" y="connsiteY3"/>
+              </a:cxn>
+              <a:cxn ang="0">
+                <a:pos x="connsiteX4" y="connsiteY4"/>
+              </a:cxn>
+              <a:cxn ang="0">
+                <a:pos x="connsiteX5" y="connsiteY5"/>
+              </a:cxn>
+              <a:cxn ang="0">
+                <a:pos x="connsiteX6" y="connsiteY6"/>
+              </a:cxn>
+              <a:cxn ang="0">
+                <a:pos x="connsiteX7" y="connsiteY7"/>
+              </a:cxn>
+              <a:cxn ang="0">
+                <a:pos x="connsiteX8" y="connsiteY8"/>
+              </a:cxn>
+              <a:cxn ang="0">
+                <a:pos x="connsiteX9" y="connsiteY9"/>
+              </a:cxn>
+              <a:cxn ang="0">
+                <a:pos x="connsiteX10" y="connsiteY10"/>
+              </a:cxn>
+              <a:cxn ang="0">
+                <a:pos x="connsiteX11" y="connsiteY11"/>
+              </a:cxn>
+              <a:cxn ang="0">
+                <a:pos x="connsiteX12" y="connsiteY12"/>
+              </a:cxn>
+              <a:cxn ang="0">
+                <a:pos x="connsiteX13" y="connsiteY13"/>
+              </a:cxn>
+              <a:cxn ang="0">
+                <a:pos x="connsiteX14" y="connsiteY14"/>
+              </a:cxn>
+              <a:cxn ang="0">
+                <a:pos x="connsiteX15" y="connsiteY15"/>
+              </a:cxn>
+              <a:cxn ang="0">
+                <a:pos x="connsiteX16" y="connsiteY16"/>
+              </a:cxn>
+              <a:cxn ang="0">
+                <a:pos x="connsiteX17" y="connsiteY17"/>
+              </a:cxn>
+              <a:cxn ang="0">
+                <a:pos x="connsiteX18" y="connsiteY18"/>
+              </a:cxn>
+              <a:cxn ang="0">
+                <a:pos x="connsiteX19" y="connsiteY19"/>
+              </a:cxn>
+              <a:cxn ang="0">
+                <a:pos x="connsiteX20" y="connsiteY20"/>
+              </a:cxn>
+              <a:cxn ang="0">
+                <a:pos x="connsiteX21" y="connsiteY21"/>
+              </a:cxn>
+              <a:cxn ang="0">
+                <a:pos x="connsiteX22" y="connsiteY22"/>
+              </a:cxn>
+              <a:cxn ang="0">
+                <a:pos x="connsiteX23" y="connsiteY23"/>
+              </a:cxn>
+              <a:cxn ang="0">
+                <a:pos x="connsiteX24" y="connsiteY24"/>
+              </a:cxn>
+              <a:cxn ang="0">
+                <a:pos x="connsiteX25" y="connsiteY25"/>
+              </a:cxn>
+              <a:cxn ang="0">
+                <a:pos x="connsiteX26" y="connsiteY26"/>
+              </a:cxn>
+              <a:cxn ang="0">
+                <a:pos x="connsiteX27" y="connsiteY27"/>
+              </a:cxn>
+              <a:cxn ang="0">
+                <a:pos x="connsiteX28" y="connsiteY28"/>
+              </a:cxn>
+              <a:cxn ang="0">
+                <a:pos x="connsiteX29" y="connsiteY29"/>
+              </a:cxn>
+              <a:cxn ang="0">
+                <a:pos x="connsiteX30" y="connsiteY30"/>
+              </a:cxn>
+              <a:cxn ang="0">
+                <a:pos x="connsiteX31" y="connsiteY31"/>
+              </a:cxn>
+              <a:cxn ang="0">
+                <a:pos x="connsiteX32" y="connsiteY32"/>
+              </a:cxn>
+              <a:cxn ang="0">
+                <a:pos x="connsiteX33" y="connsiteY33"/>
+              </a:cxn>
+              <a:cxn ang="0">
+                <a:pos x="connsiteX34" y="connsiteY34"/>
+              </a:cxn>
+              <a:cxn ang="0">
+                <a:pos x="connsiteX35" y="connsiteY35"/>
+              </a:cxn>
+              <a:cxn ang="0">
+                <a:pos x="connsiteX36" y="connsiteY36"/>
+              </a:cxn>
+              <a:cxn ang="0">
+                <a:pos x="connsiteX37" y="connsiteY37"/>
+              </a:cxn>
+            </a:cxnLst>
+            <a:rect l="l" t="t" r="r" b="b"/>
+            <a:pathLst>
+              <a:path w="648652" h="647700">
+                <a:moveTo>
+                  <a:pt x="323850" y="438150"/>
+                </a:moveTo>
+                <a:cubicBezTo>
+                  <a:pt x="260985" y="438150"/>
+                  <a:pt x="209550" y="386715"/>
+                  <a:pt x="209550" y="323850"/>
+                </a:cubicBezTo>
+                <a:cubicBezTo>
+                  <a:pt x="209550" y="260985"/>
+                  <a:pt x="260985" y="209550"/>
+                  <a:pt x="323850" y="209550"/>
+                </a:cubicBezTo>
+                <a:cubicBezTo>
+                  <a:pt x="386715" y="209550"/>
+                  <a:pt x="438150" y="260985"/>
+                  <a:pt x="438150" y="323850"/>
+                </a:cubicBezTo>
+                <a:cubicBezTo>
+                  <a:pt x="438150" y="386715"/>
+                  <a:pt x="386715" y="438150"/>
+                  <a:pt x="323850" y="438150"/>
+                </a:cubicBezTo>
+                <a:close/>
+                <a:moveTo>
+                  <a:pt x="581025" y="252413"/>
+                </a:moveTo>
+                <a:cubicBezTo>
+                  <a:pt x="575310" y="231458"/>
+                  <a:pt x="566738" y="211455"/>
+                  <a:pt x="556260" y="193358"/>
+                </a:cubicBezTo>
+                <a:lnTo>
+                  <a:pt x="580073" y="121920"/>
+                </a:lnTo>
+                <a:lnTo>
+                  <a:pt x="525780" y="67628"/>
+                </a:lnTo>
+                <a:lnTo>
+                  <a:pt x="454343" y="91440"/>
+                </a:lnTo>
+                <a:cubicBezTo>
+                  <a:pt x="435293" y="80963"/>
+                  <a:pt x="415290" y="72390"/>
+                  <a:pt x="394335" y="66675"/>
+                </a:cubicBezTo>
+                <a:lnTo>
+                  <a:pt x="361950" y="0"/>
+                </a:lnTo>
+                <a:lnTo>
+                  <a:pt x="285750" y="0"/>
+                </a:lnTo>
+                <a:lnTo>
+                  <a:pt x="252413" y="66675"/>
+                </a:lnTo>
+                <a:cubicBezTo>
+                  <a:pt x="231458" y="72390"/>
+                  <a:pt x="211455" y="80963"/>
+                  <a:pt x="193358" y="91440"/>
+                </a:cubicBezTo>
+                <a:lnTo>
+                  <a:pt x="121920" y="67628"/>
+                </a:lnTo>
+                <a:lnTo>
+                  <a:pt x="67628" y="121920"/>
+                </a:lnTo>
+                <a:lnTo>
+                  <a:pt x="91440" y="193358"/>
+                </a:lnTo>
+                <a:cubicBezTo>
+                  <a:pt x="80963" y="212408"/>
+                  <a:pt x="72390" y="232410"/>
+                  <a:pt x="66675" y="253365"/>
+                </a:cubicBezTo>
+                <a:lnTo>
+                  <a:pt x="0" y="285750"/>
+                </a:lnTo>
+                <a:lnTo>
+                  <a:pt x="0" y="361950"/>
+                </a:lnTo>
+                <a:lnTo>
+                  <a:pt x="66675" y="395288"/>
+                </a:lnTo>
+                <a:cubicBezTo>
+                  <a:pt x="72390" y="416243"/>
+                  <a:pt x="80963" y="436245"/>
+                  <a:pt x="91440" y="454343"/>
+                </a:cubicBezTo>
+                <a:lnTo>
+                  <a:pt x="67628" y="525780"/>
+                </a:lnTo>
+                <a:lnTo>
+                  <a:pt x="121920" y="580073"/>
+                </a:lnTo>
+                <a:lnTo>
+                  <a:pt x="193358" y="556260"/>
+                </a:lnTo>
+                <a:cubicBezTo>
+                  <a:pt x="212408" y="566738"/>
+                  <a:pt x="232410" y="575310"/>
+                  <a:pt x="253365" y="581025"/>
+                </a:cubicBezTo>
+                <a:lnTo>
+                  <a:pt x="286703" y="647700"/>
+                </a:lnTo>
+                <a:lnTo>
+                  <a:pt x="362903" y="647700"/>
+                </a:lnTo>
+                <a:lnTo>
+                  <a:pt x="396240" y="581025"/>
+                </a:lnTo>
+                <a:cubicBezTo>
+                  <a:pt x="417195" y="575310"/>
+                  <a:pt x="437198" y="566738"/>
+                  <a:pt x="455295" y="556260"/>
+                </a:cubicBezTo>
+                <a:lnTo>
+                  <a:pt x="526733" y="580073"/>
+                </a:lnTo>
+                <a:lnTo>
+                  <a:pt x="581025" y="525780"/>
+                </a:lnTo>
+                <a:lnTo>
+                  <a:pt x="557213" y="454343"/>
+                </a:lnTo>
+                <a:cubicBezTo>
+                  <a:pt x="567690" y="435293"/>
+                  <a:pt x="576263" y="415290"/>
+                  <a:pt x="581978" y="394335"/>
+                </a:cubicBezTo>
+                <a:lnTo>
+                  <a:pt x="648653" y="360998"/>
+                </a:lnTo>
+                <a:lnTo>
+                  <a:pt x="648653" y="284798"/>
+                </a:lnTo>
+                <a:lnTo>
+                  <a:pt x="581025" y="252413"/>
+                </a:lnTo>
+                <a:close/>
+              </a:path>
+            </a:pathLst>
+          </a:custGeom>
+          <a:noFill/>
+          <a:ln w="38100" cap="flat">
+            <a:solidFill>
+              <a:srgbClr val="EE372F"/>
+            </a:solidFill>
+            <a:prstDash val="solid"/>
+            <a:miter/>
+          </a:ln>
+        </p:spPr>
+        <p:txBody>
+          <a:bodyPr rtlCol="0" anchor="ctr"/>
+          <a:lstStyle/>
+          <a:p>
+            <a:endParaRPr lang="zh-CN" altLang="en-US"/>
+          </a:p>
+        </p:txBody>
+      </p:sp>
+      <p:sp>
+        <p:nvSpPr>
+          <p:cNvPr id="22" name="椭圆 21">
+            <a:extLst>
+              <a:ext uri="{FF2B5EF4-FFF2-40B4-BE49-F238E27FC236}">
+                <a16:creationId xmlns:a16="http://schemas.microsoft.com/office/drawing/2014/main" id="{64893293-A68E-F349-8DC6-69BEAEBFD40E}"/>
+              </a:ext>
+            </a:extLst>
+          </p:cNvPr>
+          <p:cNvSpPr/>
+          <p:nvPr/>
+        </p:nvSpPr>
+        <p:spPr>
+          <a:xfrm>
+            <a:off x="5005086" y="4840259"/>
+            <a:ext cx="1090914" cy="1090914"/>
+          </a:xfrm>
+          <a:prstGeom prst="ellipse">
+            <a:avLst/>
+          </a:prstGeom>
+          <a:solidFill>
+            <a:srgbClr val="52BA46"/>
+          </a:solidFill>
+          <a:ln>
+            <a:noFill/>
+          </a:ln>
+        </p:spPr>
+        <p:style>
+          <a:lnRef idx="2">
+            <a:schemeClr val="accent1">
+              <a:shade val="50000"/>
+            </a:schemeClr>
+          </a:lnRef>
+          <a:fillRef idx="1">
+            <a:schemeClr val="accent1"/>
+          </a:fillRef>
+          <a:effectRef idx="0">
+            <a:schemeClr val="accent1"/>
+          </a:effectRef>
+          <a:fontRef idx="minor">
+            <a:schemeClr val="lt1"/>
+          </a:fontRef>
+        </p:style>
+        <p:txBody>
+          <a:bodyPr rtlCol="0" anchor="ctr"/>
+          <a:lstStyle/>
+          <a:p>
+            <a:pPr algn="ctr"/>
+            <a:endParaRPr kumimoji="1" lang="zh-CN" altLang="en-US"/>
+          </a:p>
+        </p:txBody>
+      </p:sp>
+      <p:pic>
+        <p:nvPicPr>
+          <p:cNvPr id="23" name="图形 22" descr="Add 纯色填充">
+            <a:extLst>
+              <a:ext uri="{FF2B5EF4-FFF2-40B4-BE49-F238E27FC236}">
+                <a16:creationId xmlns:a16="http://schemas.microsoft.com/office/drawing/2014/main" id="{50DF216C-6193-324E-9F4D-AC679D4BEDC9}"/>
+              </a:ext>
+            </a:extLst>
+          </p:cNvPr>
+          <p:cNvPicPr>
+            <a:picLocks noChangeAspect="1"/>
+          </p:cNvPicPr>
+          <p:nvPr/>
+        </p:nvPicPr>
+        <p:blipFill>
+          <a:blip r:embed="rId3">
+            <a:extLst>
+              <a:ext uri="{96DAC541-7B7A-43D3-8B79-37D633B846F1}">
+                <asvg:svgBlip xmlns:asvg="http://schemas.microsoft.com/office/drawing/2016/SVG/main" r:embed="rId4"/>
+              </a:ext>
+            </a:extLst>
+          </a:blip>
+          <a:stretch>
+            <a:fillRect/>
+          </a:stretch>
+        </p:blipFill>
+        <p:spPr>
+          <a:xfrm>
+            <a:off x="5093343" y="4928516"/>
+            <a:ext cx="914400" cy="914400"/>
+          </a:xfrm>
+          <a:prstGeom prst="rect">
+            <a:avLst/>
+          </a:prstGeom>
+        </p:spPr>
+      </p:pic>
+      <p:pic>
+        <p:nvPicPr>
+          <p:cNvPr id="26" name="图形 25" descr="Add 轮廓">
+            <a:extLst>
+              <a:ext uri="{FF2B5EF4-FFF2-40B4-BE49-F238E27FC236}">
+                <a16:creationId xmlns:a16="http://schemas.microsoft.com/office/drawing/2014/main" id="{6880B5E0-CC02-F247-988E-9FFFBA22E892}"/>
+              </a:ext>
+            </a:extLst>
+          </p:cNvPr>
+          <p:cNvPicPr>
+            <a:picLocks noChangeAspect="1"/>
+          </p:cNvPicPr>
+          <p:nvPr/>
+        </p:nvPicPr>
+        <p:blipFill>
+          <a:blip r:embed="rId5">
+            <a:extLst>
+              <a:ext uri="{96DAC541-7B7A-43D3-8B79-37D633B846F1}">
+                <asvg:svgBlip xmlns:asvg="http://schemas.microsoft.com/office/drawing/2016/SVG/main" r:embed="rId6"/>
+              </a:ext>
+            </a:extLst>
+          </a:blip>
+          <a:stretch>
+            <a:fillRect/>
+          </a:stretch>
+        </p:blipFill>
+        <p:spPr>
+          <a:xfrm>
+            <a:off x="5093343" y="4928516"/>
+            <a:ext cx="914400" cy="914400"/>
+          </a:xfrm>
+          <a:prstGeom prst="rect">
+            <a:avLst/>
+          </a:prstGeom>
+        </p:spPr>
+      </p:pic>
     </p:spTree>
     <p:extLst>
       <p:ext uri="{BB962C8B-B14F-4D97-AF65-F5344CB8AC3E}">
@@ -4838,6 +5340,87 @@
     <p:extLst>
       <p:ext uri="{BB962C8B-B14F-4D97-AF65-F5344CB8AC3E}">
         <p14:creationId xmlns:p14="http://schemas.microsoft.com/office/powerpoint/2010/main" val="2063772343"/>
+      </p:ext>
+    </p:extLst>
+  </p:cSld>
+  <p:clrMapOvr>
+    <a:masterClrMapping/>
+  </p:clrMapOvr>
+</p:sld>
+</file>
+
+<file path=ppt/slides/slide4.xml><?xml version="1.0" encoding="utf-8"?>
+<p:sld xmlns:a="http://schemas.openxmlformats.org/drawingml/2006/main" xmlns:r="http://schemas.openxmlformats.org/officeDocument/2006/relationships" xmlns:p="http://schemas.openxmlformats.org/presentationml/2006/main">
+  <p:cSld>
+    <p:spTree>
+      <p:nvGrpSpPr>
+        <p:cNvPr id="1" name=""/>
+        <p:cNvGrpSpPr/>
+        <p:nvPr/>
+      </p:nvGrpSpPr>
+      <p:grpSpPr>
+        <a:xfrm>
+          <a:off x="0" y="0"/>
+          <a:ext cx="0" cy="0"/>
+          <a:chOff x="0" y="0"/>
+          <a:chExt cx="0" cy="0"/>
+        </a:xfrm>
+      </p:grpSpPr>
+      <p:pic>
+        <p:nvPicPr>
+          <p:cNvPr id="14" name="图片 13">
+            <a:extLst>
+              <a:ext uri="{FF2B5EF4-FFF2-40B4-BE49-F238E27FC236}">
+                <a16:creationId xmlns:a16="http://schemas.microsoft.com/office/drawing/2014/main" id="{9DF98461-686A-2443-84B1-D515C06B32AE}"/>
+              </a:ext>
+            </a:extLst>
+          </p:cNvPr>
+          <p:cNvPicPr>
+            <a:picLocks noChangeAspect="1"/>
+          </p:cNvPicPr>
+          <p:nvPr/>
+        </p:nvPicPr>
+        <p:blipFill>
+          <a:blip r:embed="rId2">
+            <a:duotone>
+              <a:schemeClr val="accent1">
+                <a:shade val="45000"/>
+                <a:satMod val="135000"/>
+              </a:schemeClr>
+              <a:prstClr val="white"/>
+            </a:duotone>
+            <a:extLst>
+              <a:ext uri="{BEBA8EAE-BF5A-486C-A8C5-ECC9F3942E4B}">
+                <a14:imgProps xmlns:a14="http://schemas.microsoft.com/office/drawing/2010/main">
+                  <a14:imgLayer r:embed="rId3">
+                    <a14:imgEffect>
+                      <a14:backgroundRemoval t="10000" b="90000" l="10000" r="90000">
+                        <a14:foregroundMark x1="28333" y1="70000" x2="28333" y2="70000"/>
+                      </a14:backgroundRemoval>
+                    </a14:imgEffect>
+                  </a14:imgLayer>
+                </a14:imgProps>
+              </a:ext>
+            </a:extLst>
+          </a:blip>
+          <a:stretch>
+            <a:fillRect/>
+          </a:stretch>
+        </p:blipFill>
+        <p:spPr>
+          <a:xfrm>
+            <a:off x="5128067" y="2156749"/>
+            <a:ext cx="1064389" cy="1064389"/>
+          </a:xfrm>
+          <a:prstGeom prst="rect">
+            <a:avLst/>
+          </a:prstGeom>
+        </p:spPr>
+      </p:pic>
+    </p:spTree>
+    <p:extLst>
+      <p:ext uri="{BB962C8B-B14F-4D97-AF65-F5344CB8AC3E}">
+        <p14:creationId xmlns:p14="http://schemas.microsoft.com/office/powerpoint/2010/main" val="3801217691"/>
       </p:ext>
     </p:extLst>
   </p:cSld>

--- a/docs/images/images.pptx
+++ b/docs/images/images.pptx
@@ -5241,6 +5241,114 @@
               </a14:hiddenFill>
             </a:ext>
           </a:extLst>
+        </p:spPr>
+      </p:pic>
+      <p:pic>
+        <p:nvPicPr>
+          <p:cNvPr id="3" name="图形 2" descr="放大镜 轮廓">
+            <a:extLst>
+              <a:ext uri="{FF2B5EF4-FFF2-40B4-BE49-F238E27FC236}">
+                <a16:creationId xmlns:a16="http://schemas.microsoft.com/office/drawing/2014/main" id="{5B978DC3-6043-8448-B2E1-39DB1643D3E7}"/>
+              </a:ext>
+            </a:extLst>
+          </p:cNvPr>
+          <p:cNvPicPr>
+            <a:picLocks noChangeAspect="1"/>
+          </p:cNvPicPr>
+          <p:nvPr/>
+        </p:nvPicPr>
+        <p:blipFill>
+          <a:blip r:embed="rId4">
+            <a:extLst>
+              <a:ext uri="{96DAC541-7B7A-43D3-8B79-37D633B846F1}">
+                <asvg:svgBlip xmlns:asvg="http://schemas.microsoft.com/office/drawing/2016/SVG/main" r:embed="rId5"/>
+              </a:ext>
+            </a:extLst>
+          </a:blip>
+          <a:stretch>
+            <a:fillRect/>
+          </a:stretch>
+        </p:blipFill>
+        <p:spPr>
+          <a:xfrm>
+            <a:off x="5638800" y="2971800"/>
+            <a:ext cx="914400" cy="914400"/>
+          </a:xfrm>
+          <a:prstGeom prst="rect">
+            <a:avLst/>
+          </a:prstGeom>
+        </p:spPr>
+      </p:pic>
+      <p:pic>
+        <p:nvPicPr>
+          <p:cNvPr id="6" name="图形 5" descr="放大镜 纯色填充">
+            <a:extLst>
+              <a:ext uri="{FF2B5EF4-FFF2-40B4-BE49-F238E27FC236}">
+                <a16:creationId xmlns:a16="http://schemas.microsoft.com/office/drawing/2014/main" id="{55712ADB-E887-6A43-A61C-581E03C97962}"/>
+              </a:ext>
+            </a:extLst>
+          </p:cNvPr>
+          <p:cNvPicPr>
+            <a:picLocks noChangeAspect="1"/>
+          </p:cNvPicPr>
+          <p:nvPr/>
+        </p:nvPicPr>
+        <p:blipFill>
+          <a:blip r:embed="rId6">
+            <a:extLst>
+              <a:ext uri="{96DAC541-7B7A-43D3-8B79-37D633B846F1}">
+                <asvg:svgBlip xmlns:asvg="http://schemas.microsoft.com/office/drawing/2016/SVG/main" r:embed="rId7"/>
+              </a:ext>
+            </a:extLst>
+          </a:blip>
+          <a:stretch>
+            <a:fillRect/>
+          </a:stretch>
+        </p:blipFill>
+        <p:spPr>
+          <a:xfrm>
+            <a:off x="7791691" y="2057400"/>
+            <a:ext cx="914400" cy="914400"/>
+          </a:xfrm>
+          <a:prstGeom prst="rect">
+            <a:avLst/>
+          </a:prstGeom>
+        </p:spPr>
+      </p:pic>
+      <p:pic>
+        <p:nvPicPr>
+          <p:cNvPr id="8" name="图形 7" descr="火炬 纯色填充">
+            <a:extLst>
+              <a:ext uri="{FF2B5EF4-FFF2-40B4-BE49-F238E27FC236}">
+                <a16:creationId xmlns:a16="http://schemas.microsoft.com/office/drawing/2014/main" id="{16306227-6EDA-6449-9AB7-B1B8C10A3C32}"/>
+              </a:ext>
+            </a:extLst>
+          </p:cNvPr>
+          <p:cNvPicPr>
+            <a:picLocks noChangeAspect="1"/>
+          </p:cNvPicPr>
+          <p:nvPr/>
+        </p:nvPicPr>
+        <p:blipFill>
+          <a:blip r:embed="rId8">
+            <a:extLst>
+              <a:ext uri="{96DAC541-7B7A-43D3-8B79-37D633B846F1}">
+                <asvg:svgBlip xmlns:asvg="http://schemas.microsoft.com/office/drawing/2016/SVG/main" r:embed="rId9"/>
+              </a:ext>
+            </a:extLst>
+          </a:blip>
+          <a:stretch>
+            <a:fillRect/>
+          </a:stretch>
+        </p:blipFill>
+        <p:spPr>
+          <a:xfrm>
+            <a:off x="7942162" y="2207871"/>
+            <a:ext cx="426335" cy="426335"/>
+          </a:xfrm>
+          <a:prstGeom prst="rect">
+            <a:avLst/>
+          </a:prstGeom>
         </p:spPr>
       </p:pic>
     </p:spTree>
